--- a/01 - Intro - 25-06-2024/Course methodology.pptx
+++ b/01 - Intro - 25-06-2024/Course methodology.pptx
@@ -7811,13 +7811,13 @@
     <dgm:cxn modelId="{86418714-D03D-3246-AC9E-CB2E5FFF35D9}" type="presOf" srcId="{82544D88-BD0D-4709-A5B3-BAAAD55BA29E}" destId="{7E892914-F8F2-1944-AA66-037A691DFF5A}" srcOrd="0" destOrd="0" presId="urn:microsoft.com/office/officeart/2005/8/layout/cycle2"/>
     <dgm:cxn modelId="{FAF05C15-45DE-884D-A57C-6032932F06E2}" type="presOf" srcId="{B3900F59-242B-43EA-89C1-69A92C5ABC8D}" destId="{E6EE182A-2B64-D145-8535-FF9ED6B51F46}" srcOrd="0" destOrd="0" presId="urn:microsoft.com/office/officeart/2005/8/layout/cycle2"/>
     <dgm:cxn modelId="{3CEEAA36-AC40-EA4A-91A0-16241928478C}" type="presOf" srcId="{F6D7AA7E-37DD-4BDE-AE8A-5B0D78E2F471}" destId="{48D8A987-E8D6-544A-99D7-8153E8E8518A}" srcOrd="0" destOrd="0" presId="urn:microsoft.com/office/officeart/2005/8/layout/cycle2"/>
-    <dgm:cxn modelId="{4311935B-637A-4C49-BEF8-962C8F37D7EC}" type="presOf" srcId="{F9FA0B20-1F03-4092-8FDA-A08C1F472BC1}" destId="{9C6DB6E9-D3D9-4C4A-AEE3-C8A767DD3955}" srcOrd="1" destOrd="0" presId="urn:microsoft.com/office/officeart/2005/8/layout/cycle2"/>
     <dgm:cxn modelId="{047A3543-1535-481B-8951-7C6B2523F3E0}" srcId="{F6D7AA7E-37DD-4BDE-AE8A-5B0D78E2F471}" destId="{82544D88-BD0D-4709-A5B3-BAAAD55BA29E}" srcOrd="0" destOrd="0" parTransId="{DB5FA6F2-5756-43FD-A265-2B7F9A62D8C3}" sibTransId="{B3900F59-242B-43EA-89C1-69A92C5ABC8D}"/>
     <dgm:cxn modelId="{08918246-5313-4237-B68C-24F6D44664D3}" srcId="{F6D7AA7E-37DD-4BDE-AE8A-5B0D78E2F471}" destId="{A1D25EF6-BAD8-4DF9-B246-A57669854B83}" srcOrd="2" destOrd="0" parTransId="{4DC6218E-9831-4288-B8AF-598F4074DD0B}" sibTransId="{65768B2E-F17E-4BDC-91AC-549B87D2414B}"/>
     <dgm:cxn modelId="{2EC3D74A-4D67-CE42-8236-B5E894551710}" type="presOf" srcId="{A1D25EF6-BAD8-4DF9-B246-A57669854B83}" destId="{B4FAE649-E084-AD4E-8F39-40CDBAF16604}" srcOrd="0" destOrd="0" presId="urn:microsoft.com/office/officeart/2005/8/layout/cycle2"/>
-    <dgm:cxn modelId="{898D536B-A4F2-3142-8024-E4928C0B21D1}" type="presOf" srcId="{65768B2E-F17E-4BDC-91AC-549B87D2414B}" destId="{93C3338F-6F61-B049-834F-BED1B722B673}" srcOrd="1" destOrd="0" presId="urn:microsoft.com/office/officeart/2005/8/layout/cycle2"/>
     <dgm:cxn modelId="{2E5F4651-B31C-8B4C-B132-295075F8605B}" type="presOf" srcId="{B3900F59-242B-43EA-89C1-69A92C5ABC8D}" destId="{A64AA815-903E-F04D-A504-4A6A178BDF86}" srcOrd="1" destOrd="0" presId="urn:microsoft.com/office/officeart/2005/8/layout/cycle2"/>
     <dgm:cxn modelId="{5E9A6A55-7D67-644A-B0F1-552D64DB4207}" type="presOf" srcId="{EA474292-EF76-4E49-9689-C3CBE5559D68}" destId="{3FA75F2F-9264-3648-B5B8-FC64489DF9F6}" srcOrd="0" destOrd="0" presId="urn:microsoft.com/office/officeart/2005/8/layout/cycle2"/>
+    <dgm:cxn modelId="{4311935B-637A-4C49-BEF8-962C8F37D7EC}" type="presOf" srcId="{F9FA0B20-1F03-4092-8FDA-A08C1F472BC1}" destId="{9C6DB6E9-D3D9-4C4A-AEE3-C8A767DD3955}" srcOrd="1" destOrd="0" presId="urn:microsoft.com/office/officeart/2005/8/layout/cycle2"/>
+    <dgm:cxn modelId="{898D536B-A4F2-3142-8024-E4928C0B21D1}" type="presOf" srcId="{65768B2E-F17E-4BDC-91AC-549B87D2414B}" destId="{93C3338F-6F61-B049-834F-BED1B722B673}" srcOrd="1" destOrd="0" presId="urn:microsoft.com/office/officeart/2005/8/layout/cycle2"/>
     <dgm:cxn modelId="{59203078-93C1-074F-AF82-826254D71730}" type="presOf" srcId="{4FC972BE-21EA-4E87-9D17-B82089DB6619}" destId="{1430E618-7E26-9E47-A516-A1988F7A8702}" srcOrd="0" destOrd="0" presId="urn:microsoft.com/office/officeart/2005/8/layout/cycle2"/>
     <dgm:cxn modelId="{0FD62E81-79BB-F14A-9651-7F8633F09EE4}" type="presOf" srcId="{255179C2-56F8-460A-88AB-0811F42ADC69}" destId="{615D95B9-5AFA-ED41-A4DC-7A0DB05B5A3E}" srcOrd="0" destOrd="0" presId="urn:microsoft.com/office/officeart/2005/8/layout/cycle2"/>
     <dgm:cxn modelId="{7DF88B98-6775-4A9B-A5F6-7362D104E75A}" srcId="{F6D7AA7E-37DD-4BDE-AE8A-5B0D78E2F471}" destId="{4D53547F-24AE-411D-9713-A59E5439CA2A}" srcOrd="3" destOrd="0" parTransId="{EECD460F-5733-4655-9682-29F978397053}" sibTransId="{255179C2-56F8-460A-88AB-0811F42ADC69}"/>
@@ -8404,12 +8404,12 @@
     <dgm:cxn modelId="{0CAAAA33-6A9E-4BC0-AEF4-29AEDE78A23D}" type="presOf" srcId="{65768B2E-F17E-4BDC-91AC-549B87D2414B}" destId="{D23D2CD3-6F32-4F3C-AABA-D16C228AFFC1}" srcOrd="0" destOrd="0" presId="urn:microsoft.com/office/officeart/2005/8/layout/cycle2"/>
     <dgm:cxn modelId="{E415A836-F7D8-4C71-A5D6-5FCA7527F640}" type="presOf" srcId="{A1D25EF6-BAD8-4DF9-B246-A57669854B83}" destId="{9361F8C5-D2D9-4E7C-80CE-EE6714EA4B33}" srcOrd="0" destOrd="0" presId="urn:microsoft.com/office/officeart/2005/8/layout/cycle2"/>
     <dgm:cxn modelId="{047A3543-1535-481B-8951-7C6B2523F3E0}" srcId="{F6D7AA7E-37DD-4BDE-AE8A-5B0D78E2F471}" destId="{82544D88-BD0D-4709-A5B3-BAAAD55BA29E}" srcOrd="0" destOrd="0" parTransId="{DB5FA6F2-5756-43FD-A265-2B7F9A62D8C3}" sibTransId="{B3900F59-242B-43EA-89C1-69A92C5ABC8D}"/>
-    <dgm:cxn modelId="{A1FEA065-D05E-4225-A86D-74A12333BCD7}" type="presOf" srcId="{EA474292-EF76-4E49-9689-C3CBE5559D68}" destId="{E17CB246-EF6C-4708-ACC7-95ED2937F1A3}" srcOrd="0" destOrd="0" presId="urn:microsoft.com/office/officeart/2005/8/layout/cycle2"/>
     <dgm:cxn modelId="{08918246-5313-4237-B68C-24F6D44664D3}" srcId="{F6D7AA7E-37DD-4BDE-AE8A-5B0D78E2F471}" destId="{A1D25EF6-BAD8-4DF9-B246-A57669854B83}" srcOrd="2" destOrd="0" parTransId="{4DC6218E-9831-4288-B8AF-598F4074DD0B}" sibTransId="{65768B2E-F17E-4BDC-91AC-549B87D2414B}"/>
     <dgm:cxn modelId="{93368547-634B-4E46-916D-5873AADFDA4C}" type="presOf" srcId="{B3900F59-242B-43EA-89C1-69A92C5ABC8D}" destId="{3D4239C2-77AD-45D7-986C-ED7A8AF82873}" srcOrd="1" destOrd="0" presId="urn:microsoft.com/office/officeart/2005/8/layout/cycle2"/>
+    <dgm:cxn modelId="{108AAF52-BABD-447C-8707-F688EDB2EC91}" type="presOf" srcId="{EA474292-EF76-4E49-9689-C3CBE5559D68}" destId="{8F2C67F0-48E9-4626-BAA8-34E683C40D3E}" srcOrd="1" destOrd="0" presId="urn:microsoft.com/office/officeart/2005/8/layout/cycle2"/>
+    <dgm:cxn modelId="{A1FEA065-D05E-4225-A86D-74A12333BCD7}" type="presOf" srcId="{EA474292-EF76-4E49-9689-C3CBE5559D68}" destId="{E17CB246-EF6C-4708-ACC7-95ED2937F1A3}" srcOrd="0" destOrd="0" presId="urn:microsoft.com/office/officeart/2005/8/layout/cycle2"/>
     <dgm:cxn modelId="{9201C768-06C1-4086-B908-E68EE5957E43}" type="presOf" srcId="{4D53547F-24AE-411D-9713-A59E5439CA2A}" destId="{B2163300-FC63-4086-98E6-D98B88B55EB2}" srcOrd="0" destOrd="0" presId="urn:microsoft.com/office/officeart/2005/8/layout/cycle2"/>
     <dgm:cxn modelId="{A01FDE6C-E2D9-4193-80B8-050AE5323220}" type="presOf" srcId="{FF9FA91E-0BDF-473A-B988-DA4598FC42B9}" destId="{98436BF7-369F-4F26-8AD6-3A6F787ECE1B}" srcOrd="0" destOrd="0" presId="urn:microsoft.com/office/officeart/2005/8/layout/cycle2"/>
-    <dgm:cxn modelId="{108AAF52-BABD-447C-8707-F688EDB2EC91}" type="presOf" srcId="{EA474292-EF76-4E49-9689-C3CBE5559D68}" destId="{8F2C67F0-48E9-4626-BAA8-34E683C40D3E}" srcOrd="1" destOrd="0" presId="urn:microsoft.com/office/officeart/2005/8/layout/cycle2"/>
     <dgm:cxn modelId="{09D11376-F72C-472A-9966-E744E487BCFA}" type="presOf" srcId="{F6D7AA7E-37DD-4BDE-AE8A-5B0D78E2F471}" destId="{D671F792-2D6B-474F-9C3D-5E72C4442EFB}" srcOrd="0" destOrd="0" presId="urn:microsoft.com/office/officeart/2005/8/layout/cycle2"/>
     <dgm:cxn modelId="{BE112D7B-D99E-41F3-9EF4-E6AF35939F59}" type="presOf" srcId="{F9FA0B20-1F03-4092-8FDA-A08C1F472BC1}" destId="{CCCDC119-36F8-43ED-867B-4E93B2BC311D}" srcOrd="0" destOrd="0" presId="urn:microsoft.com/office/officeart/2005/8/layout/cycle2"/>
     <dgm:cxn modelId="{37E68E7C-7251-497F-BA21-AAD84D779658}" type="presOf" srcId="{070C54DB-C352-426D-BD5F-F4AD21339F98}" destId="{66DD604B-73AF-4485-8DFC-9C21E959573B}" srcOrd="0" destOrd="0" presId="urn:microsoft.com/office/officeart/2005/8/layout/cycle2"/>
@@ -8801,12 +8801,12 @@
     <dgm:cxn modelId="{0CAAAA33-6A9E-4BC0-AEF4-29AEDE78A23D}" type="presOf" srcId="{65768B2E-F17E-4BDC-91AC-549B87D2414B}" destId="{D23D2CD3-6F32-4F3C-AABA-D16C228AFFC1}" srcOrd="0" destOrd="0" presId="urn:microsoft.com/office/officeart/2005/8/layout/cycle2"/>
     <dgm:cxn modelId="{E415A836-F7D8-4C71-A5D6-5FCA7527F640}" type="presOf" srcId="{A1D25EF6-BAD8-4DF9-B246-A57669854B83}" destId="{9361F8C5-D2D9-4E7C-80CE-EE6714EA4B33}" srcOrd="0" destOrd="0" presId="urn:microsoft.com/office/officeart/2005/8/layout/cycle2"/>
     <dgm:cxn modelId="{047A3543-1535-481B-8951-7C6B2523F3E0}" srcId="{F6D7AA7E-37DD-4BDE-AE8A-5B0D78E2F471}" destId="{82544D88-BD0D-4709-A5B3-BAAAD55BA29E}" srcOrd="0" destOrd="0" parTransId="{DB5FA6F2-5756-43FD-A265-2B7F9A62D8C3}" sibTransId="{B3900F59-242B-43EA-89C1-69A92C5ABC8D}"/>
-    <dgm:cxn modelId="{A1FEA065-D05E-4225-A86D-74A12333BCD7}" type="presOf" srcId="{EA474292-EF76-4E49-9689-C3CBE5559D68}" destId="{E17CB246-EF6C-4708-ACC7-95ED2937F1A3}" srcOrd="0" destOrd="0" presId="urn:microsoft.com/office/officeart/2005/8/layout/cycle2"/>
     <dgm:cxn modelId="{08918246-5313-4237-B68C-24F6D44664D3}" srcId="{F6D7AA7E-37DD-4BDE-AE8A-5B0D78E2F471}" destId="{A1D25EF6-BAD8-4DF9-B246-A57669854B83}" srcOrd="2" destOrd="0" parTransId="{4DC6218E-9831-4288-B8AF-598F4074DD0B}" sibTransId="{65768B2E-F17E-4BDC-91AC-549B87D2414B}"/>
     <dgm:cxn modelId="{93368547-634B-4E46-916D-5873AADFDA4C}" type="presOf" srcId="{B3900F59-242B-43EA-89C1-69A92C5ABC8D}" destId="{3D4239C2-77AD-45D7-986C-ED7A8AF82873}" srcOrd="1" destOrd="0" presId="urn:microsoft.com/office/officeart/2005/8/layout/cycle2"/>
+    <dgm:cxn modelId="{108AAF52-BABD-447C-8707-F688EDB2EC91}" type="presOf" srcId="{EA474292-EF76-4E49-9689-C3CBE5559D68}" destId="{8F2C67F0-48E9-4626-BAA8-34E683C40D3E}" srcOrd="1" destOrd="0" presId="urn:microsoft.com/office/officeart/2005/8/layout/cycle2"/>
+    <dgm:cxn modelId="{A1FEA065-D05E-4225-A86D-74A12333BCD7}" type="presOf" srcId="{EA474292-EF76-4E49-9689-C3CBE5559D68}" destId="{E17CB246-EF6C-4708-ACC7-95ED2937F1A3}" srcOrd="0" destOrd="0" presId="urn:microsoft.com/office/officeart/2005/8/layout/cycle2"/>
     <dgm:cxn modelId="{9201C768-06C1-4086-B908-E68EE5957E43}" type="presOf" srcId="{4D53547F-24AE-411D-9713-A59E5439CA2A}" destId="{B2163300-FC63-4086-98E6-D98B88B55EB2}" srcOrd="0" destOrd="0" presId="urn:microsoft.com/office/officeart/2005/8/layout/cycle2"/>
     <dgm:cxn modelId="{A01FDE6C-E2D9-4193-80B8-050AE5323220}" type="presOf" srcId="{FF9FA91E-0BDF-473A-B988-DA4598FC42B9}" destId="{98436BF7-369F-4F26-8AD6-3A6F787ECE1B}" srcOrd="0" destOrd="0" presId="urn:microsoft.com/office/officeart/2005/8/layout/cycle2"/>
-    <dgm:cxn modelId="{108AAF52-BABD-447C-8707-F688EDB2EC91}" type="presOf" srcId="{EA474292-EF76-4E49-9689-C3CBE5559D68}" destId="{8F2C67F0-48E9-4626-BAA8-34E683C40D3E}" srcOrd="1" destOrd="0" presId="urn:microsoft.com/office/officeart/2005/8/layout/cycle2"/>
     <dgm:cxn modelId="{09D11376-F72C-472A-9966-E744E487BCFA}" type="presOf" srcId="{F6D7AA7E-37DD-4BDE-AE8A-5B0D78E2F471}" destId="{D671F792-2D6B-474F-9C3D-5E72C4442EFB}" srcOrd="0" destOrd="0" presId="urn:microsoft.com/office/officeart/2005/8/layout/cycle2"/>
     <dgm:cxn modelId="{BE112D7B-D99E-41F3-9EF4-E6AF35939F59}" type="presOf" srcId="{F9FA0B20-1F03-4092-8FDA-A08C1F472BC1}" destId="{CCCDC119-36F8-43ED-867B-4E93B2BC311D}" srcOrd="0" destOrd="0" presId="urn:microsoft.com/office/officeart/2005/8/layout/cycle2"/>
     <dgm:cxn modelId="{37E68E7C-7251-497F-BA21-AAD84D779658}" type="presOf" srcId="{070C54DB-C352-426D-BD5F-F4AD21339F98}" destId="{66DD604B-73AF-4485-8DFC-9C21E959573B}" srcOrd="0" destOrd="0" presId="urn:microsoft.com/office/officeart/2005/8/layout/cycle2"/>
@@ -9198,12 +9198,12 @@
     <dgm:cxn modelId="{0CAAAA33-6A9E-4BC0-AEF4-29AEDE78A23D}" type="presOf" srcId="{65768B2E-F17E-4BDC-91AC-549B87D2414B}" destId="{D23D2CD3-6F32-4F3C-AABA-D16C228AFFC1}" srcOrd="0" destOrd="0" presId="urn:microsoft.com/office/officeart/2005/8/layout/cycle2"/>
     <dgm:cxn modelId="{E415A836-F7D8-4C71-A5D6-5FCA7527F640}" type="presOf" srcId="{A1D25EF6-BAD8-4DF9-B246-A57669854B83}" destId="{9361F8C5-D2D9-4E7C-80CE-EE6714EA4B33}" srcOrd="0" destOrd="0" presId="urn:microsoft.com/office/officeart/2005/8/layout/cycle2"/>
     <dgm:cxn modelId="{047A3543-1535-481B-8951-7C6B2523F3E0}" srcId="{F6D7AA7E-37DD-4BDE-AE8A-5B0D78E2F471}" destId="{82544D88-BD0D-4709-A5B3-BAAAD55BA29E}" srcOrd="0" destOrd="0" parTransId="{DB5FA6F2-5756-43FD-A265-2B7F9A62D8C3}" sibTransId="{B3900F59-242B-43EA-89C1-69A92C5ABC8D}"/>
-    <dgm:cxn modelId="{A1FEA065-D05E-4225-A86D-74A12333BCD7}" type="presOf" srcId="{EA474292-EF76-4E49-9689-C3CBE5559D68}" destId="{E17CB246-EF6C-4708-ACC7-95ED2937F1A3}" srcOrd="0" destOrd="0" presId="urn:microsoft.com/office/officeart/2005/8/layout/cycle2"/>
     <dgm:cxn modelId="{08918246-5313-4237-B68C-24F6D44664D3}" srcId="{F6D7AA7E-37DD-4BDE-AE8A-5B0D78E2F471}" destId="{A1D25EF6-BAD8-4DF9-B246-A57669854B83}" srcOrd="2" destOrd="0" parTransId="{4DC6218E-9831-4288-B8AF-598F4074DD0B}" sibTransId="{65768B2E-F17E-4BDC-91AC-549B87D2414B}"/>
     <dgm:cxn modelId="{93368547-634B-4E46-916D-5873AADFDA4C}" type="presOf" srcId="{B3900F59-242B-43EA-89C1-69A92C5ABC8D}" destId="{3D4239C2-77AD-45D7-986C-ED7A8AF82873}" srcOrd="1" destOrd="0" presId="urn:microsoft.com/office/officeart/2005/8/layout/cycle2"/>
+    <dgm:cxn modelId="{108AAF52-BABD-447C-8707-F688EDB2EC91}" type="presOf" srcId="{EA474292-EF76-4E49-9689-C3CBE5559D68}" destId="{8F2C67F0-48E9-4626-BAA8-34E683C40D3E}" srcOrd="1" destOrd="0" presId="urn:microsoft.com/office/officeart/2005/8/layout/cycle2"/>
+    <dgm:cxn modelId="{A1FEA065-D05E-4225-A86D-74A12333BCD7}" type="presOf" srcId="{EA474292-EF76-4E49-9689-C3CBE5559D68}" destId="{E17CB246-EF6C-4708-ACC7-95ED2937F1A3}" srcOrd="0" destOrd="0" presId="urn:microsoft.com/office/officeart/2005/8/layout/cycle2"/>
     <dgm:cxn modelId="{9201C768-06C1-4086-B908-E68EE5957E43}" type="presOf" srcId="{4D53547F-24AE-411D-9713-A59E5439CA2A}" destId="{B2163300-FC63-4086-98E6-D98B88B55EB2}" srcOrd="0" destOrd="0" presId="urn:microsoft.com/office/officeart/2005/8/layout/cycle2"/>
     <dgm:cxn modelId="{A01FDE6C-E2D9-4193-80B8-050AE5323220}" type="presOf" srcId="{FF9FA91E-0BDF-473A-B988-DA4598FC42B9}" destId="{98436BF7-369F-4F26-8AD6-3A6F787ECE1B}" srcOrd="0" destOrd="0" presId="urn:microsoft.com/office/officeart/2005/8/layout/cycle2"/>
-    <dgm:cxn modelId="{108AAF52-BABD-447C-8707-F688EDB2EC91}" type="presOf" srcId="{EA474292-EF76-4E49-9689-C3CBE5559D68}" destId="{8F2C67F0-48E9-4626-BAA8-34E683C40D3E}" srcOrd="1" destOrd="0" presId="urn:microsoft.com/office/officeart/2005/8/layout/cycle2"/>
     <dgm:cxn modelId="{09D11376-F72C-472A-9966-E744E487BCFA}" type="presOf" srcId="{F6D7AA7E-37DD-4BDE-AE8A-5B0D78E2F471}" destId="{D671F792-2D6B-474F-9C3D-5E72C4442EFB}" srcOrd="0" destOrd="0" presId="urn:microsoft.com/office/officeart/2005/8/layout/cycle2"/>
     <dgm:cxn modelId="{BE112D7B-D99E-41F3-9EF4-E6AF35939F59}" type="presOf" srcId="{F9FA0B20-1F03-4092-8FDA-A08C1F472BC1}" destId="{CCCDC119-36F8-43ED-867B-4E93B2BC311D}" srcOrd="0" destOrd="0" presId="urn:microsoft.com/office/officeart/2005/8/layout/cycle2"/>
     <dgm:cxn modelId="{37E68E7C-7251-497F-BA21-AAD84D779658}" type="presOf" srcId="{070C54DB-C352-426D-BD5F-F4AD21339F98}" destId="{66DD604B-73AF-4485-8DFC-9C21E959573B}" srcOrd="0" destOrd="0" presId="urn:microsoft.com/office/officeart/2005/8/layout/cycle2"/>
@@ -9797,12 +9797,12 @@
     <dgm:cxn modelId="{0CAAAA33-6A9E-4BC0-AEF4-29AEDE78A23D}" type="presOf" srcId="{65768B2E-F17E-4BDC-91AC-549B87D2414B}" destId="{D23D2CD3-6F32-4F3C-AABA-D16C228AFFC1}" srcOrd="0" destOrd="0" presId="urn:microsoft.com/office/officeart/2005/8/layout/cycle2"/>
     <dgm:cxn modelId="{E415A836-F7D8-4C71-A5D6-5FCA7527F640}" type="presOf" srcId="{A1D25EF6-BAD8-4DF9-B246-A57669854B83}" destId="{9361F8C5-D2D9-4E7C-80CE-EE6714EA4B33}" srcOrd="0" destOrd="0" presId="urn:microsoft.com/office/officeart/2005/8/layout/cycle2"/>
     <dgm:cxn modelId="{047A3543-1535-481B-8951-7C6B2523F3E0}" srcId="{F6D7AA7E-37DD-4BDE-AE8A-5B0D78E2F471}" destId="{82544D88-BD0D-4709-A5B3-BAAAD55BA29E}" srcOrd="0" destOrd="0" parTransId="{DB5FA6F2-5756-43FD-A265-2B7F9A62D8C3}" sibTransId="{B3900F59-242B-43EA-89C1-69A92C5ABC8D}"/>
-    <dgm:cxn modelId="{A1FEA065-D05E-4225-A86D-74A12333BCD7}" type="presOf" srcId="{EA474292-EF76-4E49-9689-C3CBE5559D68}" destId="{E17CB246-EF6C-4708-ACC7-95ED2937F1A3}" srcOrd="0" destOrd="0" presId="urn:microsoft.com/office/officeart/2005/8/layout/cycle2"/>
     <dgm:cxn modelId="{08918246-5313-4237-B68C-24F6D44664D3}" srcId="{F6D7AA7E-37DD-4BDE-AE8A-5B0D78E2F471}" destId="{A1D25EF6-BAD8-4DF9-B246-A57669854B83}" srcOrd="2" destOrd="0" parTransId="{4DC6218E-9831-4288-B8AF-598F4074DD0B}" sibTransId="{65768B2E-F17E-4BDC-91AC-549B87D2414B}"/>
     <dgm:cxn modelId="{93368547-634B-4E46-916D-5873AADFDA4C}" type="presOf" srcId="{B3900F59-242B-43EA-89C1-69A92C5ABC8D}" destId="{3D4239C2-77AD-45D7-986C-ED7A8AF82873}" srcOrd="1" destOrd="0" presId="urn:microsoft.com/office/officeart/2005/8/layout/cycle2"/>
+    <dgm:cxn modelId="{108AAF52-BABD-447C-8707-F688EDB2EC91}" type="presOf" srcId="{EA474292-EF76-4E49-9689-C3CBE5559D68}" destId="{8F2C67F0-48E9-4626-BAA8-34E683C40D3E}" srcOrd="1" destOrd="0" presId="urn:microsoft.com/office/officeart/2005/8/layout/cycle2"/>
+    <dgm:cxn modelId="{A1FEA065-D05E-4225-A86D-74A12333BCD7}" type="presOf" srcId="{EA474292-EF76-4E49-9689-C3CBE5559D68}" destId="{E17CB246-EF6C-4708-ACC7-95ED2937F1A3}" srcOrd="0" destOrd="0" presId="urn:microsoft.com/office/officeart/2005/8/layout/cycle2"/>
     <dgm:cxn modelId="{9201C768-06C1-4086-B908-E68EE5957E43}" type="presOf" srcId="{4D53547F-24AE-411D-9713-A59E5439CA2A}" destId="{B2163300-FC63-4086-98E6-D98B88B55EB2}" srcOrd="0" destOrd="0" presId="urn:microsoft.com/office/officeart/2005/8/layout/cycle2"/>
     <dgm:cxn modelId="{A01FDE6C-E2D9-4193-80B8-050AE5323220}" type="presOf" srcId="{FF9FA91E-0BDF-473A-B988-DA4598FC42B9}" destId="{98436BF7-369F-4F26-8AD6-3A6F787ECE1B}" srcOrd="0" destOrd="0" presId="urn:microsoft.com/office/officeart/2005/8/layout/cycle2"/>
-    <dgm:cxn modelId="{108AAF52-BABD-447C-8707-F688EDB2EC91}" type="presOf" srcId="{EA474292-EF76-4E49-9689-C3CBE5559D68}" destId="{8F2C67F0-48E9-4626-BAA8-34E683C40D3E}" srcOrd="1" destOrd="0" presId="urn:microsoft.com/office/officeart/2005/8/layout/cycle2"/>
     <dgm:cxn modelId="{09D11376-F72C-472A-9966-E744E487BCFA}" type="presOf" srcId="{F6D7AA7E-37DD-4BDE-AE8A-5B0D78E2F471}" destId="{D671F792-2D6B-474F-9C3D-5E72C4442EFB}" srcOrd="0" destOrd="0" presId="urn:microsoft.com/office/officeart/2005/8/layout/cycle2"/>
     <dgm:cxn modelId="{BE112D7B-D99E-41F3-9EF4-E6AF35939F59}" type="presOf" srcId="{F9FA0B20-1F03-4092-8FDA-A08C1F472BC1}" destId="{CCCDC119-36F8-43ED-867B-4E93B2BC311D}" srcOrd="0" destOrd="0" presId="urn:microsoft.com/office/officeart/2005/8/layout/cycle2"/>
     <dgm:cxn modelId="{37E68E7C-7251-497F-BA21-AAD84D779658}" type="presOf" srcId="{070C54DB-C352-426D-BD5F-F4AD21339F98}" destId="{66DD604B-73AF-4485-8DFC-9C21E959573B}" srcOrd="0" destOrd="0" presId="urn:microsoft.com/office/officeart/2005/8/layout/cycle2"/>
@@ -10194,12 +10194,12 @@
     <dgm:cxn modelId="{0CAAAA33-6A9E-4BC0-AEF4-29AEDE78A23D}" type="presOf" srcId="{65768B2E-F17E-4BDC-91AC-549B87D2414B}" destId="{D23D2CD3-6F32-4F3C-AABA-D16C228AFFC1}" srcOrd="0" destOrd="0" presId="urn:microsoft.com/office/officeart/2005/8/layout/cycle2"/>
     <dgm:cxn modelId="{E415A836-F7D8-4C71-A5D6-5FCA7527F640}" type="presOf" srcId="{A1D25EF6-BAD8-4DF9-B246-A57669854B83}" destId="{9361F8C5-D2D9-4E7C-80CE-EE6714EA4B33}" srcOrd="0" destOrd="0" presId="urn:microsoft.com/office/officeart/2005/8/layout/cycle2"/>
     <dgm:cxn modelId="{047A3543-1535-481B-8951-7C6B2523F3E0}" srcId="{F6D7AA7E-37DD-4BDE-AE8A-5B0D78E2F471}" destId="{82544D88-BD0D-4709-A5B3-BAAAD55BA29E}" srcOrd="0" destOrd="0" parTransId="{DB5FA6F2-5756-43FD-A265-2B7F9A62D8C3}" sibTransId="{B3900F59-242B-43EA-89C1-69A92C5ABC8D}"/>
-    <dgm:cxn modelId="{A1FEA065-D05E-4225-A86D-74A12333BCD7}" type="presOf" srcId="{EA474292-EF76-4E49-9689-C3CBE5559D68}" destId="{E17CB246-EF6C-4708-ACC7-95ED2937F1A3}" srcOrd="0" destOrd="0" presId="urn:microsoft.com/office/officeart/2005/8/layout/cycle2"/>
     <dgm:cxn modelId="{08918246-5313-4237-B68C-24F6D44664D3}" srcId="{F6D7AA7E-37DD-4BDE-AE8A-5B0D78E2F471}" destId="{A1D25EF6-BAD8-4DF9-B246-A57669854B83}" srcOrd="2" destOrd="0" parTransId="{4DC6218E-9831-4288-B8AF-598F4074DD0B}" sibTransId="{65768B2E-F17E-4BDC-91AC-549B87D2414B}"/>
     <dgm:cxn modelId="{93368547-634B-4E46-916D-5873AADFDA4C}" type="presOf" srcId="{B3900F59-242B-43EA-89C1-69A92C5ABC8D}" destId="{3D4239C2-77AD-45D7-986C-ED7A8AF82873}" srcOrd="1" destOrd="0" presId="urn:microsoft.com/office/officeart/2005/8/layout/cycle2"/>
+    <dgm:cxn modelId="{108AAF52-BABD-447C-8707-F688EDB2EC91}" type="presOf" srcId="{EA474292-EF76-4E49-9689-C3CBE5559D68}" destId="{8F2C67F0-48E9-4626-BAA8-34E683C40D3E}" srcOrd="1" destOrd="0" presId="urn:microsoft.com/office/officeart/2005/8/layout/cycle2"/>
+    <dgm:cxn modelId="{A1FEA065-D05E-4225-A86D-74A12333BCD7}" type="presOf" srcId="{EA474292-EF76-4E49-9689-C3CBE5559D68}" destId="{E17CB246-EF6C-4708-ACC7-95ED2937F1A3}" srcOrd="0" destOrd="0" presId="urn:microsoft.com/office/officeart/2005/8/layout/cycle2"/>
     <dgm:cxn modelId="{9201C768-06C1-4086-B908-E68EE5957E43}" type="presOf" srcId="{4D53547F-24AE-411D-9713-A59E5439CA2A}" destId="{B2163300-FC63-4086-98E6-D98B88B55EB2}" srcOrd="0" destOrd="0" presId="urn:microsoft.com/office/officeart/2005/8/layout/cycle2"/>
     <dgm:cxn modelId="{A01FDE6C-E2D9-4193-80B8-050AE5323220}" type="presOf" srcId="{FF9FA91E-0BDF-473A-B988-DA4598FC42B9}" destId="{98436BF7-369F-4F26-8AD6-3A6F787ECE1B}" srcOrd="0" destOrd="0" presId="urn:microsoft.com/office/officeart/2005/8/layout/cycle2"/>
-    <dgm:cxn modelId="{108AAF52-BABD-447C-8707-F688EDB2EC91}" type="presOf" srcId="{EA474292-EF76-4E49-9689-C3CBE5559D68}" destId="{8F2C67F0-48E9-4626-BAA8-34E683C40D3E}" srcOrd="1" destOrd="0" presId="urn:microsoft.com/office/officeart/2005/8/layout/cycle2"/>
     <dgm:cxn modelId="{09D11376-F72C-472A-9966-E744E487BCFA}" type="presOf" srcId="{F6D7AA7E-37DD-4BDE-AE8A-5B0D78E2F471}" destId="{D671F792-2D6B-474F-9C3D-5E72C4442EFB}" srcOrd="0" destOrd="0" presId="urn:microsoft.com/office/officeart/2005/8/layout/cycle2"/>
     <dgm:cxn modelId="{BE112D7B-D99E-41F3-9EF4-E6AF35939F59}" type="presOf" srcId="{F9FA0B20-1F03-4092-8FDA-A08C1F472BC1}" destId="{CCCDC119-36F8-43ED-867B-4E93B2BC311D}" srcOrd="0" destOrd="0" presId="urn:microsoft.com/office/officeart/2005/8/layout/cycle2"/>
     <dgm:cxn modelId="{37E68E7C-7251-497F-BA21-AAD84D779658}" type="presOf" srcId="{070C54DB-C352-426D-BD5F-F4AD21339F98}" destId="{66DD604B-73AF-4485-8DFC-9C21E959573B}" srcOrd="0" destOrd="0" presId="urn:microsoft.com/office/officeart/2005/8/layout/cycle2"/>
@@ -10591,12 +10591,12 @@
     <dgm:cxn modelId="{0CAAAA33-6A9E-4BC0-AEF4-29AEDE78A23D}" type="presOf" srcId="{65768B2E-F17E-4BDC-91AC-549B87D2414B}" destId="{D23D2CD3-6F32-4F3C-AABA-D16C228AFFC1}" srcOrd="0" destOrd="0" presId="urn:microsoft.com/office/officeart/2005/8/layout/cycle2"/>
     <dgm:cxn modelId="{E415A836-F7D8-4C71-A5D6-5FCA7527F640}" type="presOf" srcId="{A1D25EF6-BAD8-4DF9-B246-A57669854B83}" destId="{9361F8C5-D2D9-4E7C-80CE-EE6714EA4B33}" srcOrd="0" destOrd="0" presId="urn:microsoft.com/office/officeart/2005/8/layout/cycle2"/>
     <dgm:cxn modelId="{047A3543-1535-481B-8951-7C6B2523F3E0}" srcId="{F6D7AA7E-37DD-4BDE-AE8A-5B0D78E2F471}" destId="{82544D88-BD0D-4709-A5B3-BAAAD55BA29E}" srcOrd="0" destOrd="0" parTransId="{DB5FA6F2-5756-43FD-A265-2B7F9A62D8C3}" sibTransId="{B3900F59-242B-43EA-89C1-69A92C5ABC8D}"/>
-    <dgm:cxn modelId="{A1FEA065-D05E-4225-A86D-74A12333BCD7}" type="presOf" srcId="{EA474292-EF76-4E49-9689-C3CBE5559D68}" destId="{E17CB246-EF6C-4708-ACC7-95ED2937F1A3}" srcOrd="0" destOrd="0" presId="urn:microsoft.com/office/officeart/2005/8/layout/cycle2"/>
     <dgm:cxn modelId="{08918246-5313-4237-B68C-24F6D44664D3}" srcId="{F6D7AA7E-37DD-4BDE-AE8A-5B0D78E2F471}" destId="{A1D25EF6-BAD8-4DF9-B246-A57669854B83}" srcOrd="2" destOrd="0" parTransId="{4DC6218E-9831-4288-B8AF-598F4074DD0B}" sibTransId="{65768B2E-F17E-4BDC-91AC-549B87D2414B}"/>
     <dgm:cxn modelId="{93368547-634B-4E46-916D-5873AADFDA4C}" type="presOf" srcId="{B3900F59-242B-43EA-89C1-69A92C5ABC8D}" destId="{3D4239C2-77AD-45D7-986C-ED7A8AF82873}" srcOrd="1" destOrd="0" presId="urn:microsoft.com/office/officeart/2005/8/layout/cycle2"/>
+    <dgm:cxn modelId="{108AAF52-BABD-447C-8707-F688EDB2EC91}" type="presOf" srcId="{EA474292-EF76-4E49-9689-C3CBE5559D68}" destId="{8F2C67F0-48E9-4626-BAA8-34E683C40D3E}" srcOrd="1" destOrd="0" presId="urn:microsoft.com/office/officeart/2005/8/layout/cycle2"/>
+    <dgm:cxn modelId="{A1FEA065-D05E-4225-A86D-74A12333BCD7}" type="presOf" srcId="{EA474292-EF76-4E49-9689-C3CBE5559D68}" destId="{E17CB246-EF6C-4708-ACC7-95ED2937F1A3}" srcOrd="0" destOrd="0" presId="urn:microsoft.com/office/officeart/2005/8/layout/cycle2"/>
     <dgm:cxn modelId="{9201C768-06C1-4086-B908-E68EE5957E43}" type="presOf" srcId="{4D53547F-24AE-411D-9713-A59E5439CA2A}" destId="{B2163300-FC63-4086-98E6-D98B88B55EB2}" srcOrd="0" destOrd="0" presId="urn:microsoft.com/office/officeart/2005/8/layout/cycle2"/>
     <dgm:cxn modelId="{A01FDE6C-E2D9-4193-80B8-050AE5323220}" type="presOf" srcId="{FF9FA91E-0BDF-473A-B988-DA4598FC42B9}" destId="{98436BF7-369F-4F26-8AD6-3A6F787ECE1B}" srcOrd="0" destOrd="0" presId="urn:microsoft.com/office/officeart/2005/8/layout/cycle2"/>
-    <dgm:cxn modelId="{108AAF52-BABD-447C-8707-F688EDB2EC91}" type="presOf" srcId="{EA474292-EF76-4E49-9689-C3CBE5559D68}" destId="{8F2C67F0-48E9-4626-BAA8-34E683C40D3E}" srcOrd="1" destOrd="0" presId="urn:microsoft.com/office/officeart/2005/8/layout/cycle2"/>
     <dgm:cxn modelId="{09D11376-F72C-472A-9966-E744E487BCFA}" type="presOf" srcId="{F6D7AA7E-37DD-4BDE-AE8A-5B0D78E2F471}" destId="{D671F792-2D6B-474F-9C3D-5E72C4442EFB}" srcOrd="0" destOrd="0" presId="urn:microsoft.com/office/officeart/2005/8/layout/cycle2"/>
     <dgm:cxn modelId="{BE112D7B-D99E-41F3-9EF4-E6AF35939F59}" type="presOf" srcId="{F9FA0B20-1F03-4092-8FDA-A08C1F472BC1}" destId="{CCCDC119-36F8-43ED-867B-4E93B2BC311D}" srcOrd="0" destOrd="0" presId="urn:microsoft.com/office/officeart/2005/8/layout/cycle2"/>
     <dgm:cxn modelId="{37E68E7C-7251-497F-BA21-AAD84D779658}" type="presOf" srcId="{070C54DB-C352-426D-BD5F-F4AD21339F98}" destId="{66DD604B-73AF-4485-8DFC-9C21E959573B}" srcOrd="0" destOrd="0" presId="urn:microsoft.com/office/officeart/2005/8/layout/cycle2"/>
@@ -32011,7 +32011,7 @@
           <a:p>
             <a:fld id="{8DE0CCD8-1C46-E145-B78A-0978D6A1FF02}" type="datetimeFigureOut">
               <a:rPr lang="en-IL" smtClean="0"/>
-              <a:t>06/25/2024</a:t>
+              <a:t>19/07/2024</a:t>
             </a:fld>
             <a:endParaRPr lang="en-IL"/>
           </a:p>
@@ -32512,7 +32512,7 @@
           <a:p>
             <a:fld id="{9E2EEBD9-8E66-144E-9700-42DA0637B9B5}" type="datetimeFigureOut">
               <a:rPr lang="en-IL" smtClean="0"/>
-              <a:t>06/25/2024</a:t>
+              <a:t>19/07/2024</a:t>
             </a:fld>
             <a:endParaRPr lang="en-IL"/>
           </a:p>
@@ -32712,7 +32712,7 @@
           <a:p>
             <a:fld id="{9E2EEBD9-8E66-144E-9700-42DA0637B9B5}" type="datetimeFigureOut">
               <a:rPr lang="en-IL" smtClean="0"/>
-              <a:t>06/25/2024</a:t>
+              <a:t>19/07/2024</a:t>
             </a:fld>
             <a:endParaRPr lang="en-IL"/>
           </a:p>
@@ -32922,7 +32922,7 @@
           <a:p>
             <a:fld id="{9E2EEBD9-8E66-144E-9700-42DA0637B9B5}" type="datetimeFigureOut">
               <a:rPr lang="en-IL" smtClean="0"/>
-              <a:t>06/25/2024</a:t>
+              <a:t>19/07/2024</a:t>
             </a:fld>
             <a:endParaRPr lang="en-IL"/>
           </a:p>
@@ -33122,7 +33122,7 @@
           <a:p>
             <a:fld id="{9E2EEBD9-8E66-144E-9700-42DA0637B9B5}" type="datetimeFigureOut">
               <a:rPr lang="en-IL" smtClean="0"/>
-              <a:t>06/25/2024</a:t>
+              <a:t>19/07/2024</a:t>
             </a:fld>
             <a:endParaRPr lang="en-IL"/>
           </a:p>
@@ -33398,7 +33398,7 @@
           <a:p>
             <a:fld id="{9E2EEBD9-8E66-144E-9700-42DA0637B9B5}" type="datetimeFigureOut">
               <a:rPr lang="en-IL" smtClean="0"/>
-              <a:t>06/25/2024</a:t>
+              <a:t>19/07/2024</a:t>
             </a:fld>
             <a:endParaRPr lang="en-IL"/>
           </a:p>
@@ -33666,7 +33666,7 @@
           <a:p>
             <a:fld id="{9E2EEBD9-8E66-144E-9700-42DA0637B9B5}" type="datetimeFigureOut">
               <a:rPr lang="en-IL" smtClean="0"/>
-              <a:t>06/25/2024</a:t>
+              <a:t>19/07/2024</a:t>
             </a:fld>
             <a:endParaRPr lang="en-IL"/>
           </a:p>
@@ -34081,7 +34081,7 @@
           <a:p>
             <a:fld id="{9E2EEBD9-8E66-144E-9700-42DA0637B9B5}" type="datetimeFigureOut">
               <a:rPr lang="en-IL" smtClean="0"/>
-              <a:t>06/25/2024</a:t>
+              <a:t>19/07/2024</a:t>
             </a:fld>
             <a:endParaRPr lang="en-IL"/>
           </a:p>
@@ -34223,7 +34223,7 @@
           <a:p>
             <a:fld id="{9E2EEBD9-8E66-144E-9700-42DA0637B9B5}" type="datetimeFigureOut">
               <a:rPr lang="en-IL" smtClean="0"/>
-              <a:t>06/25/2024</a:t>
+              <a:t>19/07/2024</a:t>
             </a:fld>
             <a:endParaRPr lang="en-IL"/>
           </a:p>
@@ -34336,7 +34336,7 @@
           <a:p>
             <a:fld id="{9E2EEBD9-8E66-144E-9700-42DA0637B9B5}" type="datetimeFigureOut">
               <a:rPr lang="en-IL" smtClean="0"/>
-              <a:t>06/25/2024</a:t>
+              <a:t>19/07/2024</a:t>
             </a:fld>
             <a:endParaRPr lang="en-IL"/>
           </a:p>
@@ -34649,7 +34649,7 @@
           <a:p>
             <a:fld id="{9E2EEBD9-8E66-144E-9700-42DA0637B9B5}" type="datetimeFigureOut">
               <a:rPr lang="en-IL" smtClean="0"/>
-              <a:t>06/25/2024</a:t>
+              <a:t>19/07/2024</a:t>
             </a:fld>
             <a:endParaRPr lang="en-IL"/>
           </a:p>
@@ -34938,7 +34938,7 @@
           <a:p>
             <a:fld id="{9E2EEBD9-8E66-144E-9700-42DA0637B9B5}" type="datetimeFigureOut">
               <a:rPr lang="en-IL" smtClean="0"/>
-              <a:t>06/25/2024</a:t>
+              <a:t>19/07/2024</a:t>
             </a:fld>
             <a:endParaRPr lang="en-IL"/>
           </a:p>
@@ -35181,7 +35181,7 @@
           <a:p>
             <a:fld id="{9E2EEBD9-8E66-144E-9700-42DA0637B9B5}" type="datetimeFigureOut">
               <a:rPr lang="en-IL" smtClean="0"/>
-              <a:t>06/25/2024</a:t>
+              <a:t>19/07/2024</a:t>
             </a:fld>
             <a:endParaRPr lang="en-IL"/>
           </a:p>
@@ -38336,7 +38336,7 @@
               <a:buNone/>
             </a:pPr>
             <a:r>
-              <a:rPr lang="en-IL">
+              <a:rPr lang="en-IL" dirty="0">
                 <a:sym typeface="Wingdings" pitchFamily="2" charset="2"/>
               </a:rPr>
               <a:t>Puzzle solving  trying to achieve a goal, using previous knowldge</a:t>
@@ -38419,7 +38419,7 @@
         </p:blipFill>
         <p:spPr bwMode="auto">
           <a:xfrm>
-            <a:off x="7601134" y="2932416"/>
+            <a:off x="7601134" y="3225710"/>
             <a:ext cx="2323732" cy="2285627"/>
           </a:xfrm>
           <a:prstGeom prst="rect">
@@ -41600,7 +41600,7 @@
             </a:pPr>
             <a:r>
               <a:rPr lang="he-IL" sz="2000" dirty="0"/>
-              <a:t>לעשות כמה שיותר תרגילים, ברמה כמה שיותר קשה (אבל להתחיל מהקל)</a:t>
+              <a:t>לעשות כמה שיותר תרגילים, ברמה כמה שיותר קשה (אבל להתחיל מהקל).</a:t>
             </a:r>
           </a:p>
           <a:p>
@@ -41634,7 +41634,7 @@
             </a:pPr>
             <a:r>
               <a:rPr lang="he-IL" sz="2000" dirty="0"/>
-              <a:t>לאחר שניסיתם לפתור לבד, להתייעץ עם חברים</a:t>
+              <a:t>לאחר שניסיתם לפתור לבד, להתייעץ עם חברים.</a:t>
             </a:r>
           </a:p>
           <a:p>
@@ -41668,7 +41668,7 @@
             </a:pPr>
             <a:r>
               <a:rPr lang="he-IL" sz="2000" b="1" dirty="0"/>
-              <a:t>לתרגל ביחד – טוב לכולם</a:t>
+              <a:t>לתרגל ביחד – טוב לכולם.</a:t>
             </a:r>
           </a:p>
           <a:p>
@@ -41681,7 +41681,7 @@
             </a:pPr>
             <a:r>
               <a:rPr lang="he-IL" sz="2000" dirty="0"/>
-              <a:t>לחקור, לגלות ולהתנסות בכל דבר שמעניין אתכם</a:t>
+              <a:t>לחקור, לגלות ולהתנסות בכל דבר שמעניין אתכם.</a:t>
             </a:r>
           </a:p>
           <a:p>
@@ -41694,7 +41694,7 @@
             </a:pPr>
             <a:r>
               <a:rPr lang="he-IL" sz="2000" dirty="0"/>
-              <a:t>לחפש מה מעניין אתכם, וללכת על זה</a:t>
+              <a:t>לחפש מה מעניין אתכם, וללכת על זה.</a:t>
             </a:r>
           </a:p>
           <a:p>
@@ -41707,7 +41707,7 @@
             </a:pPr>
             <a:r>
               <a:rPr lang="he-IL" sz="2000" dirty="0"/>
-              <a:t>תמיד לשאוף הלאה</a:t>
+              <a:t>תמיד לשאוף הלאה.</a:t>
             </a:r>
           </a:p>
           <a:p>
@@ -45172,15 +45172,7 @@
             <a:pPr algn="r" rtl="1"/>
             <a:r>
               <a:rPr lang="he-IL" sz="1500" dirty="0"/>
-              <a:t>חלקכם ילמד מהר נושאים </a:t>
-            </a:r>
-            <a:r>
-              <a:rPr lang="he-IL" sz="1500" dirty="0" err="1"/>
-              <a:t>מסויימים</a:t>
-            </a:r>
-            <a:r>
-              <a:rPr lang="he-IL" sz="1500" dirty="0"/>
-              <a:t> וחלקכם ילמד לאט. לא להתייאש</a:t>
+              <a:t>חלקכם ילמד מהר נושאים מסוימים וחלקכם ילמד לאט. לא להתייאש</a:t>
             </a:r>
           </a:p>
           <a:p>
@@ -54218,10 +54210,10 @@
           <a:p>
             <a:pPr algn="ctr"/>
             <a:r>
-              <a:rPr lang="he-IL" dirty="0"/>
+              <a:rPr lang="he-IL" sz="1600" dirty="0"/>
               <a:t>התאמה</a:t>
             </a:r>
-            <a:endParaRPr lang="en-US" dirty="0"/>
+            <a:endParaRPr lang="en-US" sz="1600" dirty="0"/>
           </a:p>
         </p:txBody>
       </p:sp>
